--- a/TDDvsHacking.pptx
+++ b/TDDvsHacking.pptx
@@ -117,6 +117,11 @@
       </a:defRPr>
     </a:lvl9pPr>
   </p:defaultTextStyle>
+  <p:extLst>
+    <p:ext uri="{EFAFB233-063F-42B5-8137-9DF3F51BA10A}">
+      <p15:sldGuideLst xmlns:p15="http://schemas.microsoft.com/office/powerpoint/2012/main"/>
+    </p:ext>
+  </p:extLst>
 </p:presentation>
 </file>
 
@@ -3280,7 +3285,56 @@
           <a:bodyPr/>
           <a:lstStyle/>
           <a:p>
-            <a:endParaRPr lang="en-GB"/>
+            <a:pPr marL="0" indent="0">
+              <a:buNone/>
+            </a:pPr>
+            <a:r>
+              <a:rPr lang="en-GB" dirty="0" smtClean="0"/>
+              <a:t>Based on Roy </a:t>
+            </a:r>
+            <a:r>
+              <a:rPr lang="en-GB" dirty="0" err="1" smtClean="0"/>
+              <a:t>Osherove’s</a:t>
+            </a:r>
+            <a:r>
+              <a:rPr lang="en-GB" dirty="0" smtClean="0"/>
+              <a:t> String Calculator</a:t>
+            </a:r>
+            <a:endParaRPr lang="en-GB" dirty="0"/>
+          </a:p>
+          <a:p>
+            <a:pPr marL="0" indent="0">
+              <a:buNone/>
+            </a:pPr>
+            <a:r>
+              <a:rPr lang="en-GB" dirty="0">
+                <a:hlinkClick r:id="rId2"/>
+              </a:rPr>
+              <a:t>http://osherove.com/tdd-kata-1</a:t>
+            </a:r>
+            <a:r>
+              <a:rPr lang="en-GB" dirty="0" smtClean="0">
+                <a:hlinkClick r:id="rId2"/>
+              </a:rPr>
+              <a:t>/</a:t>
+            </a:r>
+            <a:endParaRPr lang="en-GB" dirty="0" smtClean="0"/>
+          </a:p>
+          <a:p>
+            <a:pPr marL="0" indent="0">
+              <a:buNone/>
+            </a:pPr>
+            <a:endParaRPr lang="en-GB" dirty="0"/>
+          </a:p>
+          <a:p>
+            <a:pPr marL="0" indent="0">
+              <a:buNone/>
+            </a:pPr>
+            <a:r>
+              <a:rPr lang="en-GB" dirty="0" smtClean="0"/>
+              <a:t>See handouts.</a:t>
+            </a:r>
+            <a:endParaRPr lang="en-GB" dirty="0"/>
           </a:p>
         </p:txBody>
       </p:sp>
@@ -3421,13 +3475,28 @@
         </p:nvSpPr>
         <p:spPr/>
         <p:txBody>
-          <a:bodyPr/>
-          <a:lstStyle/>
-          <a:p>
-            <a:r>
-              <a:rPr lang="en-GB" dirty="0" smtClean="0"/>
-              <a:t>Swap with another pair</a:t>
-            </a:r>
+          <a:bodyPr>
+            <a:normAutofit/>
+          </a:bodyPr>
+          <a:lstStyle/>
+          <a:p>
+            <a:r>
+              <a:rPr lang="en-GB" dirty="0" smtClean="0"/>
+              <a:t>Swap </a:t>
+            </a:r>
+            <a:r>
+              <a:rPr lang="en-GB" smtClean="0"/>
+              <a:t>with </a:t>
+            </a:r>
+            <a:r>
+              <a:rPr lang="en-GB" smtClean="0"/>
+              <a:t>a pair </a:t>
+            </a:r>
+            <a:r>
+              <a:rPr lang="en-GB" dirty="0" smtClean="0"/>
+              <a:t>in the other group</a:t>
+            </a:r>
+            <a:endParaRPr lang="en-GB" dirty="0" smtClean="0"/>
           </a:p>
           <a:p>
             <a:r>
@@ -3439,27 +3508,57 @@
             <a:pPr lvl="1"/>
             <a:r>
               <a:rPr lang="en-GB" dirty="0" smtClean="0"/>
-              <a:t>Completeness</a:t>
+              <a:t>Completeness (Use cases implemented, even if problems)</a:t>
             </a:r>
           </a:p>
           <a:p>
             <a:pPr lvl="1"/>
             <a:r>
               <a:rPr lang="en-GB" dirty="0" smtClean="0"/>
-              <a:t>Quality</a:t>
+              <a:t>Maintainability (use your judgement..)</a:t>
+            </a:r>
+          </a:p>
+          <a:p>
+            <a:r>
+              <a:rPr lang="en-GB" dirty="0" smtClean="0"/>
+              <a:t>Deduct marks for:</a:t>
             </a:r>
           </a:p>
           <a:p>
             <a:pPr lvl="1"/>
             <a:r>
-              <a:rPr lang="en-GB" dirty="0" smtClean="0"/>
-              <a:t>Maintainability</a:t>
+              <a:rPr lang="en-GB" dirty="0"/>
+              <a:t>Quality (Test some cases</a:t>
+            </a:r>
+            <a:r>
+              <a:rPr lang="en-GB" dirty="0" smtClean="0"/>
+              <a:t>!) - deduct </a:t>
+            </a:r>
+            <a:r>
+              <a:rPr lang="en-GB" dirty="0"/>
+              <a:t>a point for each defect</a:t>
+            </a:r>
+            <a:r>
+              <a:rPr lang="en-GB" dirty="0" smtClean="0"/>
+              <a:t>.</a:t>
             </a:r>
           </a:p>
           <a:p>
             <a:r>
               <a:rPr lang="en-GB" dirty="0" smtClean="0"/>
               <a:t>Scores will be aggregated</a:t>
+            </a:r>
+          </a:p>
+          <a:p>
+            <a:endParaRPr lang="en-GB" dirty="0"/>
+          </a:p>
+          <a:p>
+            <a:pPr marL="0" indent="0">
+              <a:buNone/>
+            </a:pPr>
+            <a:r>
+              <a:rPr lang="en-GB" dirty="0" smtClean="0"/>
+              <a:t>See handouts for details</a:t>
             </a:r>
             <a:endParaRPr lang="en-GB" dirty="0"/>
           </a:p>
@@ -4520,7 +4619,6 @@
               <a:rPr lang="en-GB" dirty="0" smtClean="0"/>
               <a:t>Compiling is OK</a:t>
             </a:r>
-            <a:endParaRPr lang="en-GB" dirty="0" smtClean="0"/>
           </a:p>
           <a:p>
             <a:pPr lvl="1"/>
@@ -4617,7 +4715,18 @@
               <a:rPr lang="en-GB" dirty="0" smtClean="0"/>
               <a:t>Multiple breaks will result in DISQUALIFICATION!</a:t>
             </a:r>
+          </a:p>
+          <a:p>
             <a:endParaRPr lang="en-GB" dirty="0"/>
+          </a:p>
+          <a:p>
+            <a:pPr marL="0" indent="0">
+              <a:buNone/>
+            </a:pPr>
+            <a:r>
+              <a:rPr lang="en-GB" dirty="0"/>
+              <a:t>Feel free to check other team's adherence to the rules and tell the teacher about any wrongdoing!</a:t>
+            </a:r>
           </a:p>
         </p:txBody>
       </p:sp>
